--- a/presentations/presentation_11_Практическая_работа_Основы_синхронизации_и_проблемы_многопоточности.pptx
+++ b/presentations/presentation_11_Практическая_работа_Основы_синхронизации_и_проблемы_многопоточности.pptx
@@ -3170,24 +3170,17 @@
       <p:grpSpPr/>
       <p:sp>
         <p:nvSpPr>
-          <p:cNvPr id="2" name="TextBox 1"/>
-          <p:cNvSpPr txBox="1"/>
-          <p:nvPr/>
-        </p:nvSpPr>
-        <p:spPr>
-          <a:xfrm>
-            <a:off x="457200" y="457200"/>
-            <a:ext cx="8229600" cy="914400"/>
-          </a:xfrm>
-          <a:prstGeom prst="rect">
-            <a:avLst/>
-          </a:prstGeom>
-          <a:noFill/>
-        </p:spPr>
-        <p:txBody>
-          <a:bodyPr wrap="none">
-            <a:spAutoFit/>
-          </a:bodyPr>
+          <p:cNvPr id="2" name="Title 1"/>
+          <p:cNvSpPr>
+            <a:spLocks noGrp="1"/>
+          </p:cNvSpPr>
+          <p:nvPr>
+            <p:ph type="title"/>
+          </p:nvPr>
+        </p:nvSpPr>
+        <p:spPr/>
+        <p:txBody>
+          <a:bodyPr/>
           <a:lstStyle/>
           <a:p>
             <a:pPr>
@@ -3206,27 +3199,21 @@
       </p:sp>
       <p:sp>
         <p:nvSpPr>
-          <p:cNvPr id="3" name="TextBox 2"/>
-          <p:cNvSpPr txBox="1"/>
-          <p:nvPr/>
-        </p:nvSpPr>
-        <p:spPr>
-          <a:xfrm>
-            <a:off x="457200" y="1371600"/>
-            <a:ext cx="8229600" cy="5029200"/>
-          </a:xfrm>
-          <a:prstGeom prst="rect">
-            <a:avLst/>
-          </a:prstGeom>
-          <a:noFill/>
-        </p:spPr>
-        <p:txBody>
-          <a:bodyPr wrap="none">
-            <a:spAutoFit/>
-          </a:bodyPr>
+          <p:cNvPr id="3" name="Content Placeholder 2"/>
+          <p:cNvSpPr>
+            <a:spLocks noGrp="1"/>
+          </p:cNvSpPr>
+          <p:nvPr>
+            <p:ph idx="1"/>
+          </p:nvPr>
+        </p:nvSpPr>
+        <p:spPr/>
+        <p:txBody>
+          <a:bodyPr/>
           <a:lstStyle/>
           <a:p>
             <a:pPr>
+              <a:buNone/>
               <a:defRPr sz="1400" b="1">
                 <a:solidFill>
                   <a:srgbClr val="444444"/>
@@ -3240,6 +3227,7 @@
           </a:p>
           <a:p>
             <a:pPr>
+              <a:buNone/>
               <a:defRPr sz="1400" b="1">
                 <a:solidFill>
                   <a:srgbClr val="444444"/>
@@ -3253,6 +3241,7 @@
           </a:p>
           <a:p>
             <a:pPr>
+              <a:buNone/>
               <a:defRPr sz="1400">
                 <a:solidFill>
                   <a:srgbClr val="444444"/>
@@ -3266,6 +3255,7 @@
           </a:p>
           <a:p>
             <a:pPr>
+              <a:buNone/>
               <a:defRPr sz="1400">
                 <a:solidFill>
                   <a:srgbClr val="444444"/>
@@ -3279,6 +3269,7 @@
           </a:p>
           <a:p>
             <a:pPr>
+              <a:buNone/>
               <a:defRPr sz="1400">
                 <a:solidFill>
                   <a:srgbClr val="444444"/>
@@ -3292,6 +3283,7 @@
           </a:p>
           <a:p>
             <a:pPr>
+              <a:buNone/>
               <a:defRPr sz="1400">
                 <a:solidFill>
                   <a:srgbClr val="444444"/>
@@ -3325,24 +3317,17 @@
       <p:grpSpPr/>
       <p:sp>
         <p:nvSpPr>
-          <p:cNvPr id="2" name="TextBox 1"/>
-          <p:cNvSpPr txBox="1"/>
-          <p:nvPr/>
-        </p:nvSpPr>
-        <p:spPr>
-          <a:xfrm>
-            <a:off x="457200" y="457200"/>
-            <a:ext cx="8229600" cy="914400"/>
-          </a:xfrm>
-          <a:prstGeom prst="rect">
-            <a:avLst/>
-          </a:prstGeom>
-          <a:noFill/>
-        </p:spPr>
-        <p:txBody>
-          <a:bodyPr wrap="none">
-            <a:spAutoFit/>
-          </a:bodyPr>
+          <p:cNvPr id="2" name="Title 1"/>
+          <p:cNvSpPr>
+            <a:spLocks noGrp="1"/>
+          </p:cNvSpPr>
+          <p:nvPr>
+            <p:ph type="title"/>
+          </p:nvPr>
+        </p:nvSpPr>
+        <p:spPr/>
+        <p:txBody>
+          <a:bodyPr/>
           <a:lstStyle/>
           <a:p>
             <a:pPr>
@@ -3361,27 +3346,21 @@
       </p:sp>
       <p:sp>
         <p:nvSpPr>
-          <p:cNvPr id="3" name="TextBox 2"/>
-          <p:cNvSpPr txBox="1"/>
-          <p:nvPr/>
-        </p:nvSpPr>
-        <p:spPr>
-          <a:xfrm>
-            <a:off x="457200" y="1371600"/>
-            <a:ext cx="8229600" cy="5029200"/>
-          </a:xfrm>
-          <a:prstGeom prst="rect">
-            <a:avLst/>
-          </a:prstGeom>
-          <a:noFill/>
-        </p:spPr>
-        <p:txBody>
-          <a:bodyPr wrap="none">
-            <a:spAutoFit/>
-          </a:bodyPr>
+          <p:cNvPr id="3" name="Content Placeholder 2"/>
+          <p:cNvSpPr>
+            <a:spLocks noGrp="1"/>
+          </p:cNvSpPr>
+          <p:nvPr>
+            <p:ph idx="1"/>
+          </p:nvPr>
+        </p:nvSpPr>
+        <p:spPr/>
+        <p:txBody>
+          <a:bodyPr/>
           <a:lstStyle/>
           <a:p>
             <a:pPr>
+              <a:buNone/>
               <a:defRPr sz="1400">
                 <a:solidFill>
                   <a:srgbClr val="444444"/>
@@ -3395,6 +3374,7 @@
           </a:p>
           <a:p>
             <a:pPr>
+              <a:buNone/>
               <a:defRPr sz="1400">
                 <a:solidFill>
                   <a:srgbClr val="444444"/>
@@ -3408,6 +3388,7 @@
           </a:p>
           <a:p>
             <a:pPr>
+              <a:buNone/>
               <a:defRPr sz="1400">
                 <a:solidFill>
                   <a:srgbClr val="444444"/>
@@ -3441,24 +3422,17 @@
       <p:grpSpPr/>
       <p:sp>
         <p:nvSpPr>
-          <p:cNvPr id="2" name="TextBox 1"/>
-          <p:cNvSpPr txBox="1"/>
-          <p:nvPr/>
-        </p:nvSpPr>
-        <p:spPr>
-          <a:xfrm>
-            <a:off x="457200" y="457200"/>
-            <a:ext cx="8229600" cy="914400"/>
-          </a:xfrm>
-          <a:prstGeom prst="rect">
-            <a:avLst/>
-          </a:prstGeom>
-          <a:noFill/>
-        </p:spPr>
-        <p:txBody>
-          <a:bodyPr wrap="none">
-            <a:spAutoFit/>
-          </a:bodyPr>
+          <p:cNvPr id="2" name="Title 1"/>
+          <p:cNvSpPr>
+            <a:spLocks noGrp="1"/>
+          </p:cNvSpPr>
+          <p:nvPr>
+            <p:ph type="title"/>
+          </p:nvPr>
+        </p:nvSpPr>
+        <p:spPr/>
+        <p:txBody>
+          <a:bodyPr/>
           <a:lstStyle/>
           <a:p>
             <a:pPr>
@@ -3477,27 +3451,21 @@
       </p:sp>
       <p:sp>
         <p:nvSpPr>
-          <p:cNvPr id="3" name="TextBox 2"/>
-          <p:cNvSpPr txBox="1"/>
-          <p:nvPr/>
-        </p:nvSpPr>
-        <p:spPr>
-          <a:xfrm>
-            <a:off x="457200" y="1371600"/>
-            <a:ext cx="8229600" cy="5029200"/>
-          </a:xfrm>
-          <a:prstGeom prst="rect">
-            <a:avLst/>
-          </a:prstGeom>
-          <a:noFill/>
-        </p:spPr>
-        <p:txBody>
-          <a:bodyPr wrap="none">
-            <a:spAutoFit/>
-          </a:bodyPr>
+          <p:cNvPr id="3" name="Content Placeholder 2"/>
+          <p:cNvSpPr>
+            <a:spLocks noGrp="1"/>
+          </p:cNvSpPr>
+          <p:nvPr>
+            <p:ph idx="1"/>
+          </p:nvPr>
+        </p:nvSpPr>
+        <p:spPr/>
+        <p:txBody>
+          <a:bodyPr/>
           <a:lstStyle/>
           <a:p>
             <a:pPr>
+              <a:buNone/>
               <a:defRPr sz="1400" b="1">
                 <a:solidFill>
                   <a:srgbClr val="444444"/>
@@ -3511,6 +3479,7 @@
           </a:p>
           <a:p>
             <a:pPr>
+              <a:buNone/>
               <a:defRPr sz="1400" b="1">
                 <a:solidFill>
                   <a:srgbClr val="444444"/>
@@ -3524,6 +3493,7 @@
           </a:p>
           <a:p>
             <a:pPr>
+              <a:buNone/>
               <a:defRPr sz="1400" b="1">
                 <a:solidFill>
                   <a:srgbClr val="444444"/>
@@ -3537,6 +3507,7 @@
           </a:p>
           <a:p>
             <a:pPr>
+              <a:buNone/>
               <a:defRPr sz="1400" b="1">
                 <a:solidFill>
                   <a:srgbClr val="444444"/>
@@ -3550,6 +3521,7 @@
           </a:p>
           <a:p>
             <a:pPr>
+              <a:buNone/>
               <a:defRPr sz="1400" b="1">
                 <a:solidFill>
                   <a:srgbClr val="444444"/>
@@ -3563,6 +3535,7 @@
           </a:p>
           <a:p>
             <a:pPr>
+              <a:buNone/>
               <a:defRPr sz="1400" b="1">
                 <a:solidFill>
                   <a:srgbClr val="444444"/>
@@ -3596,24 +3569,17 @@
       <p:grpSpPr/>
       <p:sp>
         <p:nvSpPr>
-          <p:cNvPr id="2" name="TextBox 1"/>
-          <p:cNvSpPr txBox="1"/>
-          <p:nvPr/>
-        </p:nvSpPr>
-        <p:spPr>
-          <a:xfrm>
-            <a:off x="457200" y="457200"/>
-            <a:ext cx="8229600" cy="914400"/>
-          </a:xfrm>
-          <a:prstGeom prst="rect">
-            <a:avLst/>
-          </a:prstGeom>
-          <a:noFill/>
-        </p:spPr>
-        <p:txBody>
-          <a:bodyPr wrap="none">
-            <a:spAutoFit/>
-          </a:bodyPr>
+          <p:cNvPr id="2" name="Title 1"/>
+          <p:cNvSpPr>
+            <a:spLocks noGrp="1"/>
+          </p:cNvSpPr>
+          <p:nvPr>
+            <p:ph type="title"/>
+          </p:nvPr>
+        </p:nvSpPr>
+        <p:spPr/>
+        <p:txBody>
+          <a:bodyPr/>
           <a:lstStyle/>
           <a:p>
             <a:pPr>
@@ -3632,27 +3598,21 @@
       </p:sp>
       <p:sp>
         <p:nvSpPr>
-          <p:cNvPr id="3" name="TextBox 2"/>
-          <p:cNvSpPr txBox="1"/>
-          <p:nvPr/>
-        </p:nvSpPr>
-        <p:spPr>
-          <a:xfrm>
-            <a:off x="457200" y="1371600"/>
-            <a:ext cx="8229600" cy="5029200"/>
-          </a:xfrm>
-          <a:prstGeom prst="rect">
-            <a:avLst/>
-          </a:prstGeom>
-          <a:noFill/>
-        </p:spPr>
-        <p:txBody>
-          <a:bodyPr wrap="none">
-            <a:spAutoFit/>
-          </a:bodyPr>
+          <p:cNvPr id="3" name="Content Placeholder 2"/>
+          <p:cNvSpPr>
+            <a:spLocks noGrp="1"/>
+          </p:cNvSpPr>
+          <p:nvPr>
+            <p:ph idx="1"/>
+          </p:nvPr>
+        </p:nvSpPr>
+        <p:spPr/>
+        <p:txBody>
+          <a:bodyPr/>
           <a:lstStyle/>
           <a:p>
             <a:pPr>
+              <a:buNone/>
               <a:defRPr sz="1400" b="1">
                 <a:solidFill>
                   <a:srgbClr val="444444"/>
@@ -3666,6 +3626,7 @@
           </a:p>
           <a:p>
             <a:pPr>
+              <a:buNone/>
               <a:defRPr sz="1400">
                 <a:solidFill>
                   <a:srgbClr val="444444"/>
@@ -3700,6 +3661,7 @@
           </a:p>
           <a:p>
             <a:pPr>
+              <a:buNone/>
               <a:defRPr sz="1400">
                 <a:solidFill>
                   <a:srgbClr val="444444"/>
@@ -3734,6 +3696,7 @@
           </a:p>
           <a:p>
             <a:pPr>
+              <a:buNone/>
               <a:defRPr sz="1400" b="1">
                 <a:solidFill>
                   <a:srgbClr val="444444"/>
